--- a/Linux_slides.pptx
+++ b/Linux_slides.pptx
@@ -3462,98 +3462,106 @@
           <a:lstStyle/>
           <a:p>
             <a:r>
-              <a:rPr lang="en-US" dirty="0" err="1"/>
-              <a:t>url</a:t>
-            </a:r>
-            <a:r>
               <a:rPr lang="en-US" dirty="0"/>
-              <a:t> to be updated</a:t>
-            </a:r>
-          </a:p>
-          <a:p>
-            <a:pPr lvl="1"/>
-            <a:r>
-              <a:rPr lang="en-US" dirty="0"/>
-              <a:t>git clone </a:t>
-            </a:r>
-            <a:r>
-              <a:rPr lang="en-US" dirty="0" err="1"/>
-              <a:t>url</a:t>
-            </a:r>
-            <a:endParaRPr lang="en-US" dirty="0"/>
-          </a:p>
-          <a:p>
-            <a:r>
-              <a:rPr lang="en-US" dirty="0"/>
-              <a:t>Find </a:t>
-            </a:r>
-            <a:r>
-              <a:rPr lang="en-US" dirty="0" err="1"/>
-              <a:t>linux</a:t>
-            </a:r>
-            <a:r>
-              <a:rPr lang="en-US" dirty="0"/>
-              <a:t> command line to follow along</a:t>
-            </a:r>
-          </a:p>
-          <a:p>
-            <a:pPr lvl="1"/>
-            <a:r>
-              <a:rPr lang="en-US" dirty="0"/>
-              <a:t>ICS servers – uci_net_id@openlab.ics.uci.edu </a:t>
-            </a:r>
-          </a:p>
-          <a:p>
-            <a:pPr lvl="2"/>
-            <a:r>
-              <a:rPr lang="en-US" dirty="0"/>
-              <a:t>Sign in with ICS username/password</a:t>
-            </a:r>
-          </a:p>
-          <a:p>
-            <a:pPr lvl="1"/>
-            <a:r>
-              <a:rPr lang="en-US" dirty="0"/>
-              <a:t>EECS servers </a:t>
-            </a:r>
-            <a:r>
-              <a:rPr lang="en-US" dirty="0" err="1"/>
-              <a:t>uci_net_net_id</a:t>
-            </a:r>
-            <a:r>
-              <a:rPr lang="en-US" dirty="0"/>
-              <a:t>@[bondi,crystalcove,laguna,zuma].eecs.uci.edu</a:t>
-            </a:r>
-          </a:p>
-          <a:p>
-            <a:pPr lvl="2"/>
-            <a:r>
-              <a:rPr lang="en-US" dirty="0"/>
-              <a:t>Sign in UCI Net username/password (what gets you into Canvas)</a:t>
-            </a:r>
-          </a:p>
-          <a:p>
-            <a:pPr lvl="1"/>
-            <a:r>
-              <a:rPr lang="en-US" dirty="0"/>
-              <a:t>Windows – download WSL/Ubuntu Shell</a:t>
-            </a:r>
-          </a:p>
-          <a:p>
-            <a:pPr lvl="2"/>
+              <a:t>Repo: </a:t>
+            </a:r>
             <a:r>
               <a:rPr lang="en-US" dirty="0">
                 <a:hlinkClick r:id="rId2"/>
               </a:rPr>
-              <a:t>https://docs.microsoft.com/en-us/windows/wsl/install</a:t>
+              <a:t>https://github.com/ValenYamamoto/IEEE_Linux_Workshop</a:t>
+            </a:r>
+            <a:r>
+              <a:rPr lang="en-US" dirty="0"/>
+              <a:t> </a:t>
+            </a:r>
+          </a:p>
+          <a:p>
+            <a:pPr lvl="1"/>
+            <a:r>
+              <a:rPr lang="en-US" dirty="0"/>
+              <a:t>git clone </a:t>
+            </a:r>
+            <a:r>
+              <a:rPr lang="en-US" dirty="0">
+                <a:hlinkClick r:id="rId2"/>
+              </a:rPr>
+              <a:t>https://github.com/ValenYamamoto/IEEE_Linux_Workshop</a:t>
             </a:r>
             <a:endParaRPr lang="en-US" dirty="0"/>
+          </a:p>
+          <a:p>
+            <a:r>
+              <a:rPr lang="en-US" dirty="0"/>
+              <a:t>Find </a:t>
+            </a:r>
+            <a:r>
+              <a:rPr lang="en-US" dirty="0" err="1"/>
+              <a:t>linux</a:t>
+            </a:r>
+            <a:r>
+              <a:rPr lang="en-US" dirty="0"/>
+              <a:t> command line to follow along</a:t>
+            </a:r>
+          </a:p>
+          <a:p>
+            <a:pPr lvl="1"/>
+            <a:r>
+              <a:rPr lang="en-US" dirty="0"/>
+              <a:t>ICS servers – uci_net_id@openlab.ics.uci.edu </a:t>
+            </a:r>
+          </a:p>
+          <a:p>
+            <a:pPr lvl="2"/>
+            <a:r>
+              <a:rPr lang="en-US" dirty="0"/>
+              <a:t>Sign in with ICS username/password</a:t>
+            </a:r>
+          </a:p>
+          <a:p>
+            <a:pPr lvl="1"/>
+            <a:r>
+              <a:rPr lang="en-US" dirty="0"/>
+              <a:t>EECS servers </a:t>
+            </a:r>
+            <a:r>
+              <a:rPr lang="en-US" dirty="0" err="1"/>
+              <a:t>uci_net_net_id</a:t>
+            </a:r>
+            <a:r>
+              <a:rPr lang="en-US" dirty="0"/>
+              <a:t>@[bondi,crystalcove,laguna,zuma].eecs.uci.edu</a:t>
+            </a:r>
+          </a:p>
+          <a:p>
+            <a:pPr lvl="2"/>
+            <a:r>
+              <a:rPr lang="en-US" dirty="0"/>
+              <a:t>Sign in UCI Net username/password (what gets you into Canvas)</a:t>
+            </a:r>
+          </a:p>
+          <a:p>
+            <a:pPr lvl="1"/>
+            <a:r>
+              <a:rPr lang="en-US" dirty="0"/>
+              <a:t>Windows – download WSL/Ubuntu Shell</a:t>
+            </a:r>
           </a:p>
           <a:p>
             <a:pPr lvl="2"/>
             <a:r>
               <a:rPr lang="en-US" dirty="0">
                 <a:hlinkClick r:id="rId3"/>
+              </a:rPr>
+              <a:t>https://docs.microsoft.com/en-us/windows/wsl/install</a:t>
+            </a:r>
+            <a:endParaRPr lang="en-US" dirty="0"/>
+          </a:p>
+          <a:p>
+            <a:pPr lvl="2"/>
+            <a:r>
+              <a:rPr lang="en-US" dirty="0">
+                <a:hlinkClick r:id="rId4"/>
               </a:rPr>
               <a:t>https://www.microsoft.com/en-us/p/ubuntu/9nblggh4msv6?activetab=pivot:overviewtab</a:t>
             </a:r>

--- a/Linux_slides.pptx
+++ b/Linux_slides.pptx
@@ -8,7 +8,15 @@
     <p:sldId id="256" r:id="rId2"/>
     <p:sldId id="258" r:id="rId3"/>
     <p:sldId id="257" r:id="rId4"/>
-    <p:sldId id="259" r:id="rId5"/>
+    <p:sldId id="260" r:id="rId5"/>
+    <p:sldId id="261" r:id="rId6"/>
+    <p:sldId id="264" r:id="rId7"/>
+    <p:sldId id="262" r:id="rId8"/>
+    <p:sldId id="263" r:id="rId9"/>
+    <p:sldId id="265" r:id="rId10"/>
+    <p:sldId id="266" r:id="rId11"/>
+    <p:sldId id="267" r:id="rId12"/>
+    <p:sldId id="259" r:id="rId13"/>
   </p:sldIdLst>
   <p:sldSz cx="12192000" cy="6858000"/>
   <p:notesSz cx="6858000" cy="9144000"/>
@@ -107,6 +115,11 @@
       </a:defRPr>
     </a:lvl9pPr>
   </p:defaultTextStyle>
+  <p:extLst>
+    <p:ext uri="{EFAFB233-063F-42B5-8137-9DF3F51BA10A}">
+      <p15:sldGuideLst xmlns:p15="http://schemas.microsoft.com/office/powerpoint/2012/main"/>
+    </p:ext>
+  </p:extLst>
 </p:presentation>
 </file>
 
@@ -257,7 +270,7 @@
           <a:p>
             <a:fld id="{64860C78-8201-4A07-B861-5C8A77A0091C}" type="datetimeFigureOut">
               <a:rPr lang="en-US" smtClean="0"/>
-              <a:t>10/10/2021</a:t>
+              <a:t>9/29/2022</a:t>
             </a:fld>
             <a:endParaRPr lang="en-US"/>
           </a:p>
@@ -455,7 +468,7 @@
           <a:p>
             <a:fld id="{64860C78-8201-4A07-B861-5C8A77A0091C}" type="datetimeFigureOut">
               <a:rPr lang="en-US" smtClean="0"/>
-              <a:t>10/10/2021</a:t>
+              <a:t>9/29/2022</a:t>
             </a:fld>
             <a:endParaRPr lang="en-US"/>
           </a:p>
@@ -663,7 +676,7 @@
           <a:p>
             <a:fld id="{64860C78-8201-4A07-B861-5C8A77A0091C}" type="datetimeFigureOut">
               <a:rPr lang="en-US" smtClean="0"/>
-              <a:t>10/10/2021</a:t>
+              <a:t>9/29/2022</a:t>
             </a:fld>
             <a:endParaRPr lang="en-US"/>
           </a:p>
@@ -861,7 +874,7 @@
           <a:p>
             <a:fld id="{64860C78-8201-4A07-B861-5C8A77A0091C}" type="datetimeFigureOut">
               <a:rPr lang="en-US" smtClean="0"/>
-              <a:t>10/10/2021</a:t>
+              <a:t>9/29/2022</a:t>
             </a:fld>
             <a:endParaRPr lang="en-US"/>
           </a:p>
@@ -1136,7 +1149,7 @@
           <a:p>
             <a:fld id="{64860C78-8201-4A07-B861-5C8A77A0091C}" type="datetimeFigureOut">
               <a:rPr lang="en-US" smtClean="0"/>
-              <a:t>10/10/2021</a:t>
+              <a:t>9/29/2022</a:t>
             </a:fld>
             <a:endParaRPr lang="en-US"/>
           </a:p>
@@ -1401,7 +1414,7 @@
           <a:p>
             <a:fld id="{64860C78-8201-4A07-B861-5C8A77A0091C}" type="datetimeFigureOut">
               <a:rPr lang="en-US" smtClean="0"/>
-              <a:t>10/10/2021</a:t>
+              <a:t>9/29/2022</a:t>
             </a:fld>
             <a:endParaRPr lang="en-US"/>
           </a:p>
@@ -1813,7 +1826,7 @@
           <a:p>
             <a:fld id="{64860C78-8201-4A07-B861-5C8A77A0091C}" type="datetimeFigureOut">
               <a:rPr lang="en-US" smtClean="0"/>
-              <a:t>10/10/2021</a:t>
+              <a:t>9/29/2022</a:t>
             </a:fld>
             <a:endParaRPr lang="en-US"/>
           </a:p>
@@ -1954,7 +1967,7 @@
           <a:p>
             <a:fld id="{64860C78-8201-4A07-B861-5C8A77A0091C}" type="datetimeFigureOut">
               <a:rPr lang="en-US" smtClean="0"/>
-              <a:t>10/10/2021</a:t>
+              <a:t>9/29/2022</a:t>
             </a:fld>
             <a:endParaRPr lang="en-US"/>
           </a:p>
@@ -2067,7 +2080,7 @@
           <a:p>
             <a:fld id="{64860C78-8201-4A07-B861-5C8A77A0091C}" type="datetimeFigureOut">
               <a:rPr lang="en-US" smtClean="0"/>
-              <a:t>10/10/2021</a:t>
+              <a:t>9/29/2022</a:t>
             </a:fld>
             <a:endParaRPr lang="en-US"/>
           </a:p>
@@ -2378,7 +2391,7 @@
           <a:p>
             <a:fld id="{64860C78-8201-4A07-B861-5C8A77A0091C}" type="datetimeFigureOut">
               <a:rPr lang="en-US" smtClean="0"/>
-              <a:t>10/10/2021</a:t>
+              <a:t>9/29/2022</a:t>
             </a:fld>
             <a:endParaRPr lang="en-US"/>
           </a:p>
@@ -2666,7 +2679,7 @@
           <a:p>
             <a:fld id="{64860C78-8201-4A07-B861-5C8A77A0091C}" type="datetimeFigureOut">
               <a:rPr lang="en-US" smtClean="0"/>
-              <a:t>10/10/2021</a:t>
+              <a:t>9/29/2022</a:t>
             </a:fld>
             <a:endParaRPr lang="en-US"/>
           </a:p>
@@ -2907,7 +2920,7 @@
           <a:p>
             <a:fld id="{64860C78-8201-4A07-B861-5C8A77A0091C}" type="datetimeFigureOut">
               <a:rPr lang="en-US" smtClean="0"/>
-              <a:t>10/10/2021</a:t>
+              <a:t>9/29/2022</a:t>
             </a:fld>
             <a:endParaRPr lang="en-US"/>
           </a:p>
@@ -3393,6 +3406,498 @@
 </p:sld>
 </file>
 
+<file path=ppt/slides/slide10.xml><?xml version="1.0" encoding="utf-8"?>
+<p:sld xmlns:a="http://schemas.openxmlformats.org/drawingml/2006/main" xmlns:r="http://schemas.openxmlformats.org/officeDocument/2006/relationships" xmlns:p="http://schemas.openxmlformats.org/presentationml/2006/main">
+  <p:cSld>
+    <p:spTree>
+      <p:nvGrpSpPr>
+        <p:cNvPr id="1" name=""/>
+        <p:cNvGrpSpPr/>
+        <p:nvPr/>
+      </p:nvGrpSpPr>
+      <p:grpSpPr>
+        <a:xfrm>
+          <a:off x="0" y="0"/>
+          <a:ext cx="0" cy="0"/>
+          <a:chOff x="0" y="0"/>
+          <a:chExt cx="0" cy="0"/>
+        </a:xfrm>
+      </p:grpSpPr>
+      <p:sp>
+        <p:nvSpPr>
+          <p:cNvPr id="2" name="Title 1">
+            <a:extLst>
+              <a:ext uri="{FF2B5EF4-FFF2-40B4-BE49-F238E27FC236}">
+                <a16:creationId xmlns:a16="http://schemas.microsoft.com/office/drawing/2014/main" id="{68FB70D6-8FE9-19BB-D59C-8DA19C70FB39}"/>
+              </a:ext>
+            </a:extLst>
+          </p:cNvPr>
+          <p:cNvSpPr>
+            <a:spLocks noGrp="1"/>
+          </p:cNvSpPr>
+          <p:nvPr>
+            <p:ph type="title"/>
+          </p:nvPr>
+        </p:nvSpPr>
+        <p:spPr/>
+        <p:txBody>
+          <a:bodyPr/>
+          <a:lstStyle/>
+          <a:p>
+            <a:r>
+              <a:rPr lang="en-US" dirty="0"/>
+              <a:t>Interacting with Files</a:t>
+            </a:r>
+          </a:p>
+        </p:txBody>
+      </p:sp>
+      <p:sp>
+        <p:nvSpPr>
+          <p:cNvPr id="3" name="Content Placeholder 2">
+            <a:extLst>
+              <a:ext uri="{FF2B5EF4-FFF2-40B4-BE49-F238E27FC236}">
+                <a16:creationId xmlns:a16="http://schemas.microsoft.com/office/drawing/2014/main" id="{EC73E0C4-5179-2B27-AA69-7BF097782912}"/>
+              </a:ext>
+            </a:extLst>
+          </p:cNvPr>
+          <p:cNvSpPr>
+            <a:spLocks noGrp="1"/>
+          </p:cNvSpPr>
+          <p:nvPr>
+            <p:ph idx="1"/>
+          </p:nvPr>
+        </p:nvSpPr>
+        <p:spPr/>
+        <p:txBody>
+          <a:bodyPr/>
+          <a:lstStyle/>
+          <a:p>
+            <a:r>
+              <a:rPr lang="en-US" dirty="0"/>
+              <a:t>file – get type of file</a:t>
+            </a:r>
+          </a:p>
+          <a:p>
+            <a:pPr lvl="1"/>
+            <a:r>
+              <a:rPr lang="en-US" dirty="0"/>
+              <a:t>Usage: file &lt;filename&gt;</a:t>
+            </a:r>
+          </a:p>
+          <a:p>
+            <a:r>
+              <a:rPr lang="en-US" dirty="0"/>
+              <a:t>ls –l &lt;filename&gt;</a:t>
+            </a:r>
+          </a:p>
+          <a:p>
+            <a:pPr lvl="1"/>
+            <a:r>
+              <a:rPr lang="en-US" dirty="0"/>
+              <a:t>Get information on permissions, file size, last access time</a:t>
+            </a:r>
+          </a:p>
+        </p:txBody>
+      </p:sp>
+    </p:spTree>
+    <p:extLst>
+      <p:ext uri="{BB962C8B-B14F-4D97-AF65-F5344CB8AC3E}">
+        <p14:creationId xmlns:p14="http://schemas.microsoft.com/office/powerpoint/2010/main" val="2492497824"/>
+      </p:ext>
+    </p:extLst>
+  </p:cSld>
+  <p:clrMapOvr>
+    <a:masterClrMapping/>
+  </p:clrMapOvr>
+</p:sld>
+</file>
+
+<file path=ppt/slides/slide11.xml><?xml version="1.0" encoding="utf-8"?>
+<p:sld xmlns:a="http://schemas.openxmlformats.org/drawingml/2006/main" xmlns:r="http://schemas.openxmlformats.org/officeDocument/2006/relationships" xmlns:p="http://schemas.openxmlformats.org/presentationml/2006/main">
+  <p:cSld>
+    <p:spTree>
+      <p:nvGrpSpPr>
+        <p:cNvPr id="1" name=""/>
+        <p:cNvGrpSpPr/>
+        <p:nvPr/>
+      </p:nvGrpSpPr>
+      <p:grpSpPr>
+        <a:xfrm>
+          <a:off x="0" y="0"/>
+          <a:ext cx="0" cy="0"/>
+          <a:chOff x="0" y="0"/>
+          <a:chExt cx="0" cy="0"/>
+        </a:xfrm>
+      </p:grpSpPr>
+      <p:sp>
+        <p:nvSpPr>
+          <p:cNvPr id="2" name="Title 1">
+            <a:extLst>
+              <a:ext uri="{FF2B5EF4-FFF2-40B4-BE49-F238E27FC236}">
+                <a16:creationId xmlns:a16="http://schemas.microsoft.com/office/drawing/2014/main" id="{177A67D0-C7D5-54F4-AABD-CE4EF6F82BC8}"/>
+              </a:ext>
+            </a:extLst>
+          </p:cNvPr>
+          <p:cNvSpPr>
+            <a:spLocks noGrp="1"/>
+          </p:cNvSpPr>
+          <p:nvPr>
+            <p:ph type="title"/>
+          </p:nvPr>
+        </p:nvSpPr>
+        <p:spPr/>
+        <p:txBody>
+          <a:bodyPr/>
+          <a:lstStyle/>
+          <a:p>
+            <a:r>
+              <a:rPr lang="en-US" dirty="0"/>
+              <a:t>Permissions</a:t>
+            </a:r>
+          </a:p>
+        </p:txBody>
+      </p:sp>
+      <p:sp>
+        <p:nvSpPr>
+          <p:cNvPr id="3" name="Content Placeholder 2">
+            <a:extLst>
+              <a:ext uri="{FF2B5EF4-FFF2-40B4-BE49-F238E27FC236}">
+                <a16:creationId xmlns:a16="http://schemas.microsoft.com/office/drawing/2014/main" id="{D67AEF68-22B0-3214-84C2-76138720644B}"/>
+              </a:ext>
+            </a:extLst>
+          </p:cNvPr>
+          <p:cNvSpPr>
+            <a:spLocks noGrp="1"/>
+          </p:cNvSpPr>
+          <p:nvPr>
+            <p:ph idx="1"/>
+          </p:nvPr>
+        </p:nvSpPr>
+        <p:spPr/>
+        <p:txBody>
+          <a:bodyPr/>
+          <a:lstStyle/>
+          <a:p>
+            <a:r>
+              <a:rPr lang="en-US" dirty="0"/>
+              <a:t>3 groups of permissions</a:t>
+            </a:r>
+          </a:p>
+          <a:p>
+            <a:pPr lvl="1"/>
+            <a:r>
+              <a:rPr lang="en-US" dirty="0"/>
+              <a:t>User – what permission you have</a:t>
+            </a:r>
+          </a:p>
+          <a:p>
+            <a:pPr lvl="1"/>
+            <a:r>
+              <a:rPr lang="en-US" dirty="0"/>
+              <a:t>Group – what permissions the group has</a:t>
+            </a:r>
+          </a:p>
+          <a:p>
+            <a:pPr lvl="1"/>
+            <a:r>
+              <a:rPr lang="en-US" dirty="0"/>
+              <a:t>Global  - what permissions everyone has</a:t>
+            </a:r>
+          </a:p>
+          <a:p>
+            <a:r>
+              <a:rPr lang="en-US" dirty="0"/>
+              <a:t>Represented as bit string (</a:t>
+            </a:r>
+            <a:r>
+              <a:rPr lang="en-US" dirty="0" err="1"/>
+              <a:t>rwx-rwx-rwx</a:t>
+            </a:r>
+            <a:r>
+              <a:rPr lang="en-US" dirty="0"/>
+              <a:t>)</a:t>
+            </a:r>
+          </a:p>
+          <a:p>
+            <a:pPr lvl="1"/>
+            <a:r>
+              <a:rPr lang="en-US" dirty="0"/>
+              <a:t>r = 4</a:t>
+            </a:r>
+          </a:p>
+          <a:p>
+            <a:pPr lvl="1"/>
+            <a:r>
+              <a:rPr lang="en-US" dirty="0"/>
+              <a:t>w = 2</a:t>
+            </a:r>
+          </a:p>
+          <a:p>
+            <a:pPr lvl="1"/>
+            <a:r>
+              <a:rPr lang="en-US"/>
+              <a:t>x = 1</a:t>
+            </a:r>
+            <a:endParaRPr lang="en-US" dirty="0"/>
+          </a:p>
+          <a:p>
+            <a:r>
+              <a:rPr lang="en-US" dirty="0"/>
+              <a:t>Change with </a:t>
+            </a:r>
+            <a:r>
+              <a:rPr lang="en-US" dirty="0" err="1"/>
+              <a:t>chmod</a:t>
+            </a:r>
+            <a:endParaRPr lang="en-US" dirty="0"/>
+          </a:p>
+          <a:p>
+            <a:pPr lvl="1"/>
+            <a:r>
+              <a:rPr lang="en-US" dirty="0"/>
+              <a:t>Usage: </a:t>
+            </a:r>
+            <a:r>
+              <a:rPr lang="en-US" dirty="0" err="1"/>
+              <a:t>chmod</a:t>
+            </a:r>
+            <a:r>
+              <a:rPr lang="en-US" dirty="0"/>
+              <a:t> 644 &lt;filename&gt;</a:t>
+            </a:r>
+          </a:p>
+        </p:txBody>
+      </p:sp>
+    </p:spTree>
+    <p:extLst>
+      <p:ext uri="{BB962C8B-B14F-4D97-AF65-F5344CB8AC3E}">
+        <p14:creationId xmlns:p14="http://schemas.microsoft.com/office/powerpoint/2010/main" val="2947541476"/>
+      </p:ext>
+    </p:extLst>
+  </p:cSld>
+  <p:clrMapOvr>
+    <a:masterClrMapping/>
+  </p:clrMapOvr>
+</p:sld>
+</file>
+
+<file path=ppt/slides/slide12.xml><?xml version="1.0" encoding="utf-8"?>
+<p:sld xmlns:a="http://schemas.openxmlformats.org/drawingml/2006/main" xmlns:r="http://schemas.openxmlformats.org/officeDocument/2006/relationships" xmlns:p="http://schemas.openxmlformats.org/presentationml/2006/main">
+  <p:cSld>
+    <p:spTree>
+      <p:nvGrpSpPr>
+        <p:cNvPr id="1" name=""/>
+        <p:cNvGrpSpPr/>
+        <p:nvPr/>
+      </p:nvGrpSpPr>
+      <p:grpSpPr>
+        <a:xfrm>
+          <a:off x="0" y="0"/>
+          <a:ext cx="0" cy="0"/>
+          <a:chOff x="0" y="0"/>
+          <a:chExt cx="0" cy="0"/>
+        </a:xfrm>
+      </p:grpSpPr>
+      <p:sp>
+        <p:nvSpPr>
+          <p:cNvPr id="2" name="Title 1">
+            <a:extLst>
+              <a:ext uri="{FF2B5EF4-FFF2-40B4-BE49-F238E27FC236}">
+                <a16:creationId xmlns:a16="http://schemas.microsoft.com/office/drawing/2014/main" id="{54618992-B1C3-48A1-A922-CED8BED08FFA}"/>
+              </a:ext>
+            </a:extLst>
+          </p:cNvPr>
+          <p:cNvSpPr>
+            <a:spLocks noGrp="1"/>
+          </p:cNvSpPr>
+          <p:nvPr>
+            <p:ph type="title"/>
+          </p:nvPr>
+        </p:nvSpPr>
+        <p:spPr/>
+        <p:txBody>
+          <a:bodyPr/>
+          <a:lstStyle/>
+          <a:p>
+            <a:r>
+              <a:rPr lang="en-US" dirty="0"/>
+              <a:t>Next Steps</a:t>
+            </a:r>
+          </a:p>
+        </p:txBody>
+      </p:sp>
+      <p:sp>
+        <p:nvSpPr>
+          <p:cNvPr id="3" name="Content Placeholder 2">
+            <a:extLst>
+              <a:ext uri="{FF2B5EF4-FFF2-40B4-BE49-F238E27FC236}">
+                <a16:creationId xmlns:a16="http://schemas.microsoft.com/office/drawing/2014/main" id="{08931D77-5F90-45F8-BD66-125EC6D86736}"/>
+              </a:ext>
+            </a:extLst>
+          </p:cNvPr>
+          <p:cNvSpPr>
+            <a:spLocks noGrp="1"/>
+          </p:cNvSpPr>
+          <p:nvPr>
+            <p:ph idx="1"/>
+          </p:nvPr>
+        </p:nvSpPr>
+        <p:spPr/>
+        <p:txBody>
+          <a:bodyPr>
+            <a:normAutofit fontScale="92500" lnSpcReduction="10000"/>
+          </a:bodyPr>
+          <a:lstStyle/>
+          <a:p>
+            <a:r>
+              <a:rPr lang="en-US" dirty="0"/>
+              <a:t>For Vim practice and information</a:t>
+            </a:r>
+          </a:p>
+          <a:p>
+            <a:pPr lvl="1"/>
+            <a:r>
+              <a:rPr lang="en-US" dirty="0"/>
+              <a:t>Vim golf - </a:t>
+            </a:r>
+            <a:r>
+              <a:rPr lang="en-US" dirty="0">
+                <a:hlinkClick r:id="rId2"/>
+              </a:rPr>
+              <a:t>https://www.vimgolf.com/</a:t>
+            </a:r>
+            <a:r>
+              <a:rPr lang="en-US" dirty="0"/>
+              <a:t> </a:t>
+            </a:r>
+          </a:p>
+          <a:p>
+            <a:pPr lvl="1"/>
+            <a:r>
+              <a:rPr lang="en-US" dirty="0"/>
+              <a:t>Vim adventure - </a:t>
+            </a:r>
+            <a:r>
+              <a:rPr lang="en-US" dirty="0">
+                <a:hlinkClick r:id="rId3"/>
+              </a:rPr>
+              <a:t>https://vim-adventures.com/</a:t>
+            </a:r>
+            <a:r>
+              <a:rPr lang="en-US" dirty="0"/>
+              <a:t> </a:t>
+            </a:r>
+          </a:p>
+          <a:p>
+            <a:pPr lvl="1"/>
+            <a:r>
+              <a:rPr lang="en-US" dirty="0"/>
+              <a:t>Vim tips wiki - </a:t>
+            </a:r>
+            <a:r>
+              <a:rPr lang="en-US" dirty="0">
+                <a:hlinkClick r:id="rId4"/>
+              </a:rPr>
+              <a:t>https://vim.fandom.com/wiki/Vim_Tips_Wiki</a:t>
+            </a:r>
+            <a:r>
+              <a:rPr lang="en-US" dirty="0"/>
+              <a:t> </a:t>
+            </a:r>
+          </a:p>
+          <a:p>
+            <a:pPr lvl="1"/>
+            <a:r>
+              <a:rPr lang="en-US" dirty="0"/>
+              <a:t>Vim cheat sheet - </a:t>
+            </a:r>
+            <a:r>
+              <a:rPr lang="en-US" dirty="0">
+                <a:hlinkClick r:id="rId5"/>
+              </a:rPr>
+              <a:t>https://vim.rtorr.com/</a:t>
+            </a:r>
+            <a:r>
+              <a:rPr lang="en-US" dirty="0"/>
+              <a:t> </a:t>
+            </a:r>
+          </a:p>
+          <a:p>
+            <a:r>
+              <a:rPr lang="en-US" dirty="0" err="1"/>
+              <a:t>Tmux</a:t>
+            </a:r>
+            <a:r>
+              <a:rPr lang="en-US" dirty="0"/>
+              <a:t> Cheat Sheet - </a:t>
+            </a:r>
+            <a:r>
+              <a:rPr lang="en-US" dirty="0">
+                <a:hlinkClick r:id="rId6"/>
+              </a:rPr>
+              <a:t>https://tmuxcheatsheet.com/</a:t>
+            </a:r>
+            <a:r>
+              <a:rPr lang="en-US" dirty="0"/>
+              <a:t> </a:t>
+            </a:r>
+          </a:p>
+          <a:p>
+            <a:r>
+              <a:rPr lang="en-US" dirty="0"/>
+              <a:t>Check out Spring 2021 Workshop on dotfiles - </a:t>
+            </a:r>
+            <a:r>
+              <a:rPr lang="en-US" dirty="0">
+                <a:hlinkClick r:id="rId7"/>
+              </a:rPr>
+              <a:t>https://github.com/ieee-uci/IEEE-Linux_Dotfiles</a:t>
+            </a:r>
+            <a:r>
+              <a:rPr lang="en-US" dirty="0"/>
+              <a:t> </a:t>
+            </a:r>
+          </a:p>
+          <a:p>
+            <a:r>
+              <a:rPr lang="en-US" dirty="0"/>
+              <a:t>Bash scripting - </a:t>
+            </a:r>
+            <a:r>
+              <a:rPr lang="en-US" dirty="0">
+                <a:hlinkClick r:id="rId8"/>
+              </a:rPr>
+              <a:t>https://linuxconfig.org/bash-scripting-tutorial-for-beginners</a:t>
+            </a:r>
+            <a:r>
+              <a:rPr lang="en-US" dirty="0"/>
+              <a:t> </a:t>
+            </a:r>
+          </a:p>
+          <a:p>
+            <a:r>
+              <a:rPr lang="en-US" dirty="0"/>
+              <a:t>Come to our next workshop!!!!!</a:t>
+            </a:r>
+          </a:p>
+          <a:p>
+            <a:endParaRPr lang="en-US" dirty="0"/>
+          </a:p>
+        </p:txBody>
+      </p:sp>
+    </p:spTree>
+    <p:extLst>
+      <p:ext uri="{BB962C8B-B14F-4D97-AF65-F5344CB8AC3E}">
+        <p14:creationId xmlns:p14="http://schemas.microsoft.com/office/powerpoint/2010/main" val="3493441058"/>
+      </p:ext>
+    </p:extLst>
+  </p:cSld>
+  <p:clrMapOvr>
+    <a:masterClrMapping/>
+  </p:clrMapOvr>
+</p:sld>
+</file>
+
 <file path=ppt/slides/slide2.xml><?xml version="1.0" encoding="utf-8"?>
 <p:sld xmlns:a="http://schemas.openxmlformats.org/drawingml/2006/main" xmlns:r="http://schemas.openxmlformats.org/officeDocument/2006/relationships" xmlns:p="http://schemas.openxmlformats.org/presentationml/2006/main">
   <p:cSld>
@@ -3782,7 +4287,7 @@
           <p:cNvPr id="2" name="Title 1">
             <a:extLst>
               <a:ext uri="{FF2B5EF4-FFF2-40B4-BE49-F238E27FC236}">
-                <a16:creationId xmlns:a16="http://schemas.microsoft.com/office/drawing/2014/main" id="{54618992-B1C3-48A1-A922-CED8BED08FFA}"/>
+                <a16:creationId xmlns:a16="http://schemas.microsoft.com/office/drawing/2014/main" id="{B9487F22-BEC7-C3AF-8B30-9BBE5AD6E7AB}"/>
               </a:ext>
             </a:extLst>
           </p:cNvPr>
@@ -3800,174 +4305,649 @@
           <a:p>
             <a:r>
               <a:rPr lang="en-US" dirty="0"/>
-              <a:t>Next Steps</a:t>
-            </a:r>
-          </a:p>
-        </p:txBody>
-      </p:sp>
-      <p:sp>
-        <p:nvSpPr>
-          <p:cNvPr id="3" name="Content Placeholder 2">
-            <a:extLst>
-              <a:ext uri="{FF2B5EF4-FFF2-40B4-BE49-F238E27FC236}">
-                <a16:creationId xmlns:a16="http://schemas.microsoft.com/office/drawing/2014/main" id="{08931D77-5F90-45F8-BD66-125EC6D86736}"/>
-              </a:ext>
-            </a:extLst>
-          </p:cNvPr>
-          <p:cNvSpPr>
-            <a:spLocks noGrp="1"/>
-          </p:cNvSpPr>
+              <a:t>Welcome to the Command Line</a:t>
+            </a:r>
+          </a:p>
+        </p:txBody>
+      </p:sp>
+      <p:pic>
+        <p:nvPicPr>
+          <p:cNvPr id="5" name="Content Placeholder 4">
+            <a:extLst>
+              <a:ext uri="{FF2B5EF4-FFF2-40B4-BE49-F238E27FC236}">
+                <a16:creationId xmlns:a16="http://schemas.microsoft.com/office/drawing/2014/main" id="{6A9AF9F5-1E97-F7CA-FA48-C058304BD19C}"/>
+              </a:ext>
+            </a:extLst>
+          </p:cNvPr>
+          <p:cNvPicPr>
+            <a:picLocks noGrp="1" noChangeAspect="1"/>
+          </p:cNvPicPr>
           <p:nvPr>
             <p:ph idx="1"/>
           </p:nvPr>
-        </p:nvSpPr>
-        <p:spPr/>
-        <p:txBody>
-          <a:bodyPr>
-            <a:normAutofit fontScale="92500" lnSpcReduction="10000"/>
-          </a:bodyPr>
-          <a:lstStyle/>
-          <a:p>
-            <a:r>
-              <a:rPr lang="en-US" dirty="0"/>
-              <a:t>For Vim practice and information</a:t>
-            </a:r>
-          </a:p>
-          <a:p>
-            <a:pPr lvl="1"/>
-            <a:r>
-              <a:rPr lang="en-US" dirty="0"/>
-              <a:t>Vim golf - </a:t>
-            </a:r>
-            <a:r>
-              <a:rPr lang="en-US" dirty="0">
-                <a:hlinkClick r:id="rId2"/>
-              </a:rPr>
-              <a:t>https://www.vimgolf.com/</a:t>
-            </a:r>
-            <a:r>
-              <a:rPr lang="en-US" dirty="0"/>
-              <a:t> </a:t>
-            </a:r>
-          </a:p>
-          <a:p>
-            <a:pPr lvl="1"/>
-            <a:r>
-              <a:rPr lang="en-US" dirty="0"/>
-              <a:t>Vim adventure - </a:t>
-            </a:r>
-            <a:r>
-              <a:rPr lang="en-US" dirty="0">
-                <a:hlinkClick r:id="rId3"/>
-              </a:rPr>
-              <a:t>https://vim-adventures.com/</a:t>
-            </a:r>
-            <a:r>
-              <a:rPr lang="en-US" dirty="0"/>
-              <a:t> </a:t>
-            </a:r>
-          </a:p>
-          <a:p>
-            <a:pPr lvl="1"/>
-            <a:r>
-              <a:rPr lang="en-US" dirty="0"/>
-              <a:t>Vim tips wiki - </a:t>
-            </a:r>
-            <a:r>
-              <a:rPr lang="en-US" dirty="0">
-                <a:hlinkClick r:id="rId4"/>
-              </a:rPr>
-              <a:t>https://vim.fandom.com/wiki/Vim_Tips_Wiki</a:t>
-            </a:r>
-            <a:r>
-              <a:rPr lang="en-US" dirty="0"/>
-              <a:t> </a:t>
-            </a:r>
-          </a:p>
-          <a:p>
-            <a:pPr lvl="1"/>
-            <a:r>
-              <a:rPr lang="en-US" dirty="0"/>
-              <a:t>Vim cheat sheet - </a:t>
-            </a:r>
-            <a:r>
-              <a:rPr lang="en-US" dirty="0">
-                <a:hlinkClick r:id="rId5"/>
-              </a:rPr>
-              <a:t>https://vim.rtorr.com/</a:t>
-            </a:r>
-            <a:r>
-              <a:rPr lang="en-US" dirty="0"/>
-              <a:t> </a:t>
-            </a:r>
-          </a:p>
-          <a:p>
-            <a:r>
-              <a:rPr lang="en-US" dirty="0" err="1"/>
-              <a:t>Tmux</a:t>
-            </a:r>
-            <a:r>
-              <a:rPr lang="en-US" dirty="0"/>
-              <a:t> Cheat Sheet - </a:t>
-            </a:r>
-            <a:r>
-              <a:rPr lang="en-US" dirty="0">
-                <a:hlinkClick r:id="rId6"/>
-              </a:rPr>
-              <a:t>https://tmuxcheatsheet.com/</a:t>
-            </a:r>
-            <a:r>
-              <a:rPr lang="en-US" dirty="0"/>
-              <a:t> </a:t>
-            </a:r>
-          </a:p>
-          <a:p>
-            <a:r>
-              <a:rPr lang="en-US" dirty="0"/>
-              <a:t>Check out Spring 2021 Workshop on dotfiles - </a:t>
-            </a:r>
-            <a:r>
-              <a:rPr lang="en-US" dirty="0">
-                <a:hlinkClick r:id="rId7"/>
-              </a:rPr>
-              <a:t>https://github.com/ieee-uci/IEEE-Linux_Dotfiles</a:t>
-            </a:r>
-            <a:r>
-              <a:rPr lang="en-US" dirty="0"/>
-              <a:t> </a:t>
-            </a:r>
-          </a:p>
-          <a:p>
-            <a:r>
-              <a:rPr lang="en-US" dirty="0"/>
-              <a:t>Bash scripting - </a:t>
-            </a:r>
-            <a:r>
-              <a:rPr lang="en-US" dirty="0">
-                <a:hlinkClick r:id="rId8"/>
-              </a:rPr>
-              <a:t>https://linuxconfig.org/bash-scripting-tutorial-for-beginners</a:t>
-            </a:r>
-            <a:r>
-              <a:rPr lang="en-US" dirty="0"/>
-              <a:t> </a:t>
-            </a:r>
-          </a:p>
-          <a:p>
-            <a:r>
-              <a:rPr lang="en-US" dirty="0"/>
-              <a:t>Come to our next workshop!!!!!</a:t>
-            </a:r>
-          </a:p>
-          <a:p>
-            <a:endParaRPr lang="en-US" dirty="0"/>
-          </a:p>
-        </p:txBody>
-      </p:sp>
+        </p:nvPicPr>
+        <p:blipFill rotWithShape="1">
+          <a:blip r:embed="rId2"/>
+          <a:srcRect t="3575" r="33433" b="41481"/>
+          <a:stretch/>
+        </p:blipFill>
+        <p:spPr>
+          <a:xfrm>
+            <a:off x="1175923" y="1690688"/>
+            <a:ext cx="9692101" cy="4293966"/>
+          </a:xfrm>
+        </p:spPr>
+      </p:pic>
     </p:spTree>
     <p:extLst>
       <p:ext uri="{BB962C8B-B14F-4D97-AF65-F5344CB8AC3E}">
-        <p14:creationId xmlns:p14="http://schemas.microsoft.com/office/powerpoint/2010/main" val="3493441058"/>
+        <p14:creationId xmlns:p14="http://schemas.microsoft.com/office/powerpoint/2010/main" val="3750393949"/>
+      </p:ext>
+    </p:extLst>
+  </p:cSld>
+  <p:clrMapOvr>
+    <a:masterClrMapping/>
+  </p:clrMapOvr>
+</p:sld>
+</file>
+
+<file path=ppt/slides/slide5.xml><?xml version="1.0" encoding="utf-8"?>
+<p:sld xmlns:a="http://schemas.openxmlformats.org/drawingml/2006/main" xmlns:r="http://schemas.openxmlformats.org/officeDocument/2006/relationships" xmlns:p="http://schemas.openxmlformats.org/presentationml/2006/main">
+  <p:cSld>
+    <p:spTree>
+      <p:nvGrpSpPr>
+        <p:cNvPr id="1" name=""/>
+        <p:cNvGrpSpPr/>
+        <p:nvPr/>
+      </p:nvGrpSpPr>
+      <p:grpSpPr>
+        <a:xfrm>
+          <a:off x="0" y="0"/>
+          <a:ext cx="0" cy="0"/>
+          <a:chOff x="0" y="0"/>
+          <a:chExt cx="0" cy="0"/>
+        </a:xfrm>
+      </p:grpSpPr>
+      <p:sp>
+        <p:nvSpPr>
+          <p:cNvPr id="2" name="Title 1">
+            <a:extLst>
+              <a:ext uri="{FF2B5EF4-FFF2-40B4-BE49-F238E27FC236}">
+                <a16:creationId xmlns:a16="http://schemas.microsoft.com/office/drawing/2014/main" id="{599A7C95-B617-3A63-8751-8517DD673D3F}"/>
+              </a:ext>
+            </a:extLst>
+          </p:cNvPr>
+          <p:cNvSpPr>
+            <a:spLocks noGrp="1"/>
+          </p:cNvSpPr>
+          <p:nvPr>
+            <p:ph type="title"/>
+          </p:nvPr>
+        </p:nvSpPr>
+        <p:spPr/>
+        <p:txBody>
+          <a:bodyPr/>
+          <a:lstStyle/>
+          <a:p>
+            <a:r>
+              <a:rPr lang="en-US" dirty="0"/>
+              <a:t>Gathering Information</a:t>
+            </a:r>
+          </a:p>
+        </p:txBody>
+      </p:sp>
+      <p:sp>
+        <p:nvSpPr>
+          <p:cNvPr id="3" name="Content Placeholder 2">
+            <a:extLst>
+              <a:ext uri="{FF2B5EF4-FFF2-40B4-BE49-F238E27FC236}">
+                <a16:creationId xmlns:a16="http://schemas.microsoft.com/office/drawing/2014/main" id="{8508163C-030A-AE6C-2308-3363DF98A6F3}"/>
+              </a:ext>
+            </a:extLst>
+          </p:cNvPr>
+          <p:cNvSpPr>
+            <a:spLocks noGrp="1"/>
+          </p:cNvSpPr>
+          <p:nvPr>
+            <p:ph idx="1"/>
+          </p:nvPr>
+        </p:nvSpPr>
+        <p:spPr/>
+        <p:txBody>
+          <a:bodyPr/>
+          <a:lstStyle/>
+          <a:p>
+            <a:r>
+              <a:rPr lang="en-US" dirty="0" err="1"/>
+              <a:t>whoami</a:t>
+            </a:r>
+            <a:r>
+              <a:rPr lang="en-US" dirty="0"/>
+              <a:t> – get username</a:t>
+            </a:r>
+          </a:p>
+          <a:p>
+            <a:r>
+              <a:rPr lang="en-US" dirty="0" err="1"/>
+              <a:t>pwd</a:t>
+            </a:r>
+            <a:r>
+              <a:rPr lang="en-US" dirty="0"/>
+              <a:t> – print working directory</a:t>
+            </a:r>
+          </a:p>
+          <a:p>
+            <a:r>
+              <a:rPr lang="en-US" dirty="0"/>
+              <a:t>echo – print on the screen</a:t>
+            </a:r>
+          </a:p>
+        </p:txBody>
+      </p:sp>
+    </p:spTree>
+    <p:extLst>
+      <p:ext uri="{BB962C8B-B14F-4D97-AF65-F5344CB8AC3E}">
+        <p14:creationId xmlns:p14="http://schemas.microsoft.com/office/powerpoint/2010/main" val="3175068713"/>
+      </p:ext>
+    </p:extLst>
+  </p:cSld>
+  <p:clrMapOvr>
+    <a:masterClrMapping/>
+  </p:clrMapOvr>
+</p:sld>
+</file>
+
+<file path=ppt/slides/slide6.xml><?xml version="1.0" encoding="utf-8"?>
+<p:sld xmlns:a="http://schemas.openxmlformats.org/drawingml/2006/main" xmlns:r="http://schemas.openxmlformats.org/officeDocument/2006/relationships" xmlns:p="http://schemas.openxmlformats.org/presentationml/2006/main">
+  <p:cSld>
+    <p:spTree>
+      <p:nvGrpSpPr>
+        <p:cNvPr id="1" name=""/>
+        <p:cNvGrpSpPr/>
+        <p:nvPr/>
+      </p:nvGrpSpPr>
+      <p:grpSpPr>
+        <a:xfrm>
+          <a:off x="0" y="0"/>
+          <a:ext cx="0" cy="0"/>
+          <a:chOff x="0" y="0"/>
+          <a:chExt cx="0" cy="0"/>
+        </a:xfrm>
+      </p:grpSpPr>
+      <p:sp>
+        <p:nvSpPr>
+          <p:cNvPr id="2" name="Title 1">
+            <a:extLst>
+              <a:ext uri="{FF2B5EF4-FFF2-40B4-BE49-F238E27FC236}">
+                <a16:creationId xmlns:a16="http://schemas.microsoft.com/office/drawing/2014/main" id="{8216081A-01EE-66B7-439E-5AF8B6EE3857}"/>
+              </a:ext>
+            </a:extLst>
+          </p:cNvPr>
+          <p:cNvSpPr>
+            <a:spLocks noGrp="1"/>
+          </p:cNvSpPr>
+          <p:nvPr>
+            <p:ph type="title"/>
+          </p:nvPr>
+        </p:nvSpPr>
+        <p:spPr/>
+        <p:txBody>
+          <a:bodyPr/>
+          <a:lstStyle/>
+          <a:p>
+            <a:r>
+              <a:rPr lang="en-US" dirty="0"/>
+              <a:t>Linux Filesystem</a:t>
+            </a:r>
+          </a:p>
+        </p:txBody>
+      </p:sp>
+      <p:sp>
+        <p:nvSpPr>
+          <p:cNvPr id="3" name="Content Placeholder 2">
+            <a:extLst>
+              <a:ext uri="{FF2B5EF4-FFF2-40B4-BE49-F238E27FC236}">
+                <a16:creationId xmlns:a16="http://schemas.microsoft.com/office/drawing/2014/main" id="{AD0983A4-30A7-98D1-B11A-2DA1CEA0CF9C}"/>
+              </a:ext>
+            </a:extLst>
+          </p:cNvPr>
+          <p:cNvSpPr>
+            <a:spLocks noGrp="1"/>
+          </p:cNvSpPr>
+          <p:nvPr>
+            <p:ph idx="1"/>
+          </p:nvPr>
+        </p:nvSpPr>
+        <p:spPr/>
+        <p:txBody>
+          <a:bodyPr/>
+          <a:lstStyle/>
+          <a:p>
+            <a:r>
+              <a:rPr lang="en-US" dirty="0"/>
+              <a:t>Everything in Linux is a file (including directories, external devices, etc.)</a:t>
+            </a:r>
+          </a:p>
+          <a:p>
+            <a:r>
+              <a:rPr lang="en-US" dirty="0"/>
+              <a:t>Information is organized in directories (folders)</a:t>
+            </a:r>
+          </a:p>
+          <a:p>
+            <a:r>
+              <a:rPr lang="en-US" dirty="0"/>
+              <a:t>Filenames that start with a dot (.) are often configuration files and are often hidden</a:t>
+            </a:r>
+          </a:p>
+          <a:p>
+            <a:endParaRPr lang="en-US" dirty="0"/>
+          </a:p>
+        </p:txBody>
+      </p:sp>
+    </p:spTree>
+    <p:extLst>
+      <p:ext uri="{BB962C8B-B14F-4D97-AF65-F5344CB8AC3E}">
+        <p14:creationId xmlns:p14="http://schemas.microsoft.com/office/powerpoint/2010/main" val="4038730622"/>
+      </p:ext>
+    </p:extLst>
+  </p:cSld>
+  <p:clrMapOvr>
+    <a:masterClrMapping/>
+  </p:clrMapOvr>
+</p:sld>
+</file>
+
+<file path=ppt/slides/slide7.xml><?xml version="1.0" encoding="utf-8"?>
+<p:sld xmlns:a="http://schemas.openxmlformats.org/drawingml/2006/main" xmlns:r="http://schemas.openxmlformats.org/officeDocument/2006/relationships" xmlns:p="http://schemas.openxmlformats.org/presentationml/2006/main">
+  <p:cSld>
+    <p:spTree>
+      <p:nvGrpSpPr>
+        <p:cNvPr id="1" name=""/>
+        <p:cNvGrpSpPr/>
+        <p:nvPr/>
+      </p:nvGrpSpPr>
+      <p:grpSpPr>
+        <a:xfrm>
+          <a:off x="0" y="0"/>
+          <a:ext cx="0" cy="0"/>
+          <a:chOff x="0" y="0"/>
+          <a:chExt cx="0" cy="0"/>
+        </a:xfrm>
+      </p:grpSpPr>
+      <p:sp>
+        <p:nvSpPr>
+          <p:cNvPr id="2" name="Title 1">
+            <a:extLst>
+              <a:ext uri="{FF2B5EF4-FFF2-40B4-BE49-F238E27FC236}">
+                <a16:creationId xmlns:a16="http://schemas.microsoft.com/office/drawing/2014/main" id="{EC50EF7B-E443-C793-63AD-8E4E011D56D1}"/>
+              </a:ext>
+            </a:extLst>
+          </p:cNvPr>
+          <p:cNvSpPr>
+            <a:spLocks noGrp="1"/>
+          </p:cNvSpPr>
+          <p:nvPr>
+            <p:ph type="title"/>
+          </p:nvPr>
+        </p:nvSpPr>
+        <p:spPr/>
+        <p:txBody>
+          <a:bodyPr/>
+          <a:lstStyle/>
+          <a:p>
+            <a:r>
+              <a:rPr lang="en-US" dirty="0"/>
+              <a:t>ls</a:t>
+            </a:r>
+          </a:p>
+        </p:txBody>
+      </p:sp>
+      <p:sp>
+        <p:nvSpPr>
+          <p:cNvPr id="3" name="Content Placeholder 2">
+            <a:extLst>
+              <a:ext uri="{FF2B5EF4-FFF2-40B4-BE49-F238E27FC236}">
+                <a16:creationId xmlns:a16="http://schemas.microsoft.com/office/drawing/2014/main" id="{CE28F67C-9691-D29A-3E87-B646D56D5CA6}"/>
+              </a:ext>
+            </a:extLst>
+          </p:cNvPr>
+          <p:cNvSpPr>
+            <a:spLocks noGrp="1"/>
+          </p:cNvSpPr>
+          <p:nvPr>
+            <p:ph idx="1"/>
+          </p:nvPr>
+        </p:nvSpPr>
+        <p:spPr/>
+        <p:txBody>
+          <a:bodyPr/>
+          <a:lstStyle/>
+          <a:p>
+            <a:r>
+              <a:rPr lang="en-US" dirty="0"/>
+              <a:t>ls (list) – list files in directory</a:t>
+            </a:r>
+          </a:p>
+          <a:p>
+            <a:r>
+              <a:rPr lang="en-US" dirty="0"/>
+              <a:t>Options</a:t>
+            </a:r>
+          </a:p>
+          <a:p>
+            <a:pPr lvl="1"/>
+            <a:r>
+              <a:rPr lang="en-US" dirty="0"/>
+              <a:t>-a – list all files, including hidden files</a:t>
+            </a:r>
+          </a:p>
+          <a:p>
+            <a:pPr lvl="1"/>
+            <a:r>
+              <a:rPr lang="en-US" dirty="0"/>
+              <a:t>-l – long list, which prints permissions, last access time</a:t>
+            </a:r>
+          </a:p>
+          <a:p>
+            <a:pPr lvl="1"/>
+            <a:r>
+              <a:rPr lang="en-US" dirty="0"/>
+              <a:t>-t – sort by last access time</a:t>
+            </a:r>
+          </a:p>
+          <a:p>
+            <a:pPr lvl="1"/>
+            <a:r>
+              <a:rPr lang="en-US" dirty="0"/>
+              <a:t>-S – sort by file size</a:t>
+            </a:r>
+          </a:p>
+          <a:p>
+            <a:r>
+              <a:rPr lang="en-US" dirty="0"/>
+              <a:t>Can have multiple options at once</a:t>
+            </a:r>
+          </a:p>
+          <a:p>
+            <a:pPr lvl="1"/>
+            <a:r>
+              <a:rPr lang="en-US" dirty="0"/>
+              <a:t>ls –al – long list all files</a:t>
+            </a:r>
+          </a:p>
+        </p:txBody>
+      </p:sp>
+    </p:spTree>
+    <p:extLst>
+      <p:ext uri="{BB962C8B-B14F-4D97-AF65-F5344CB8AC3E}">
+        <p14:creationId xmlns:p14="http://schemas.microsoft.com/office/powerpoint/2010/main" val="1912258536"/>
+      </p:ext>
+    </p:extLst>
+  </p:cSld>
+  <p:clrMapOvr>
+    <a:masterClrMapping/>
+  </p:clrMapOvr>
+</p:sld>
+</file>
+
+<file path=ppt/slides/slide8.xml><?xml version="1.0" encoding="utf-8"?>
+<p:sld xmlns:a="http://schemas.openxmlformats.org/drawingml/2006/main" xmlns:r="http://schemas.openxmlformats.org/officeDocument/2006/relationships" xmlns:p="http://schemas.openxmlformats.org/presentationml/2006/main">
+  <p:cSld>
+    <p:spTree>
+      <p:nvGrpSpPr>
+        <p:cNvPr id="1" name=""/>
+        <p:cNvGrpSpPr/>
+        <p:nvPr/>
+      </p:nvGrpSpPr>
+      <p:grpSpPr>
+        <a:xfrm>
+          <a:off x="0" y="0"/>
+          <a:ext cx="0" cy="0"/>
+          <a:chOff x="0" y="0"/>
+          <a:chExt cx="0" cy="0"/>
+        </a:xfrm>
+      </p:grpSpPr>
+      <p:sp>
+        <p:nvSpPr>
+          <p:cNvPr id="2" name="Title 1">
+            <a:extLst>
+              <a:ext uri="{FF2B5EF4-FFF2-40B4-BE49-F238E27FC236}">
+                <a16:creationId xmlns:a16="http://schemas.microsoft.com/office/drawing/2014/main" id="{98A3DC0E-BE9E-EE46-16B1-4A24C34135C2}"/>
+              </a:ext>
+            </a:extLst>
+          </p:cNvPr>
+          <p:cNvSpPr>
+            <a:spLocks noGrp="1"/>
+          </p:cNvSpPr>
+          <p:nvPr>
+            <p:ph type="title"/>
+          </p:nvPr>
+        </p:nvSpPr>
+        <p:spPr/>
+        <p:txBody>
+          <a:bodyPr/>
+          <a:lstStyle/>
+          <a:p>
+            <a:r>
+              <a:rPr lang="en-US" dirty="0"/>
+              <a:t>cd</a:t>
+            </a:r>
+          </a:p>
+        </p:txBody>
+      </p:sp>
+      <p:sp>
+        <p:nvSpPr>
+          <p:cNvPr id="3" name="Content Placeholder 2">
+            <a:extLst>
+              <a:ext uri="{FF2B5EF4-FFF2-40B4-BE49-F238E27FC236}">
+                <a16:creationId xmlns:a16="http://schemas.microsoft.com/office/drawing/2014/main" id="{8408D967-E05B-9C0F-A1C9-297704569398}"/>
+              </a:ext>
+            </a:extLst>
+          </p:cNvPr>
+          <p:cNvSpPr>
+            <a:spLocks noGrp="1"/>
+          </p:cNvSpPr>
+          <p:nvPr>
+            <p:ph idx="1"/>
+          </p:nvPr>
+        </p:nvSpPr>
+        <p:spPr/>
+        <p:txBody>
+          <a:bodyPr/>
+          <a:lstStyle/>
+          <a:p>
+            <a:r>
+              <a:rPr lang="en-US" dirty="0"/>
+              <a:t>cd – change directory, move between different directories</a:t>
+            </a:r>
+          </a:p>
+          <a:p>
+            <a:r>
+              <a:rPr lang="en-US" dirty="0"/>
+              <a:t>Usage: cd &lt;</a:t>
+            </a:r>
+            <a:r>
+              <a:rPr lang="en-US" dirty="0" err="1"/>
+              <a:t>directory_name</a:t>
+            </a:r>
+            <a:r>
+              <a:rPr lang="en-US" dirty="0"/>
+              <a:t>&gt;</a:t>
+            </a:r>
+          </a:p>
+          <a:p>
+            <a:r>
+              <a:rPr lang="en-US" dirty="0"/>
+              <a:t>Special directories</a:t>
+            </a:r>
+          </a:p>
+          <a:p>
+            <a:pPr lvl="1"/>
+            <a:r>
+              <a:rPr lang="en-US" dirty="0"/>
+              <a:t>. – the current directory (cd .)</a:t>
+            </a:r>
+          </a:p>
+          <a:p>
+            <a:pPr lvl="1"/>
+            <a:r>
+              <a:rPr lang="en-US" dirty="0"/>
+              <a:t>.. – the parent directory (cd ..)</a:t>
+            </a:r>
+          </a:p>
+          <a:p>
+            <a:pPr lvl="1"/>
+            <a:r>
+              <a:rPr lang="en-US" dirty="0"/>
+              <a:t>~ – your home directory (cd ~)</a:t>
+            </a:r>
+          </a:p>
+          <a:p>
+            <a:pPr lvl="1"/>
+            <a:r>
+              <a:rPr lang="en-US" dirty="0"/>
+              <a:t>- – the last directory you were in (cd -)</a:t>
+            </a:r>
+          </a:p>
+        </p:txBody>
+      </p:sp>
+    </p:spTree>
+    <p:extLst>
+      <p:ext uri="{BB962C8B-B14F-4D97-AF65-F5344CB8AC3E}">
+        <p14:creationId xmlns:p14="http://schemas.microsoft.com/office/powerpoint/2010/main" val="1595311069"/>
+      </p:ext>
+    </p:extLst>
+  </p:cSld>
+  <p:clrMapOvr>
+    <a:masterClrMapping/>
+  </p:clrMapOvr>
+</p:sld>
+</file>
+
+<file path=ppt/slides/slide9.xml><?xml version="1.0" encoding="utf-8"?>
+<p:sld xmlns:a="http://schemas.openxmlformats.org/drawingml/2006/main" xmlns:r="http://schemas.openxmlformats.org/officeDocument/2006/relationships" xmlns:p="http://schemas.openxmlformats.org/presentationml/2006/main">
+  <p:cSld>
+    <p:spTree>
+      <p:nvGrpSpPr>
+        <p:cNvPr id="1" name=""/>
+        <p:cNvGrpSpPr/>
+        <p:nvPr/>
+      </p:nvGrpSpPr>
+      <p:grpSpPr>
+        <a:xfrm>
+          <a:off x="0" y="0"/>
+          <a:ext cx="0" cy="0"/>
+          <a:chOff x="0" y="0"/>
+          <a:chExt cx="0" cy="0"/>
+        </a:xfrm>
+      </p:grpSpPr>
+      <p:sp>
+        <p:nvSpPr>
+          <p:cNvPr id="2" name="Title 1">
+            <a:extLst>
+              <a:ext uri="{FF2B5EF4-FFF2-40B4-BE49-F238E27FC236}">
+                <a16:creationId xmlns:a16="http://schemas.microsoft.com/office/drawing/2014/main" id="{1725D755-631C-FD63-A9FF-94978DB33CD7}"/>
+              </a:ext>
+            </a:extLst>
+          </p:cNvPr>
+          <p:cNvSpPr>
+            <a:spLocks noGrp="1"/>
+          </p:cNvSpPr>
+          <p:nvPr>
+            <p:ph type="title"/>
+          </p:nvPr>
+        </p:nvSpPr>
+        <p:spPr/>
+        <p:txBody>
+          <a:bodyPr/>
+          <a:lstStyle/>
+          <a:p>
+            <a:r>
+              <a:rPr lang="en-US" dirty="0"/>
+              <a:t>Viewing Files</a:t>
+            </a:r>
+          </a:p>
+        </p:txBody>
+      </p:sp>
+      <p:sp>
+        <p:nvSpPr>
+          <p:cNvPr id="3" name="Content Placeholder 2">
+            <a:extLst>
+              <a:ext uri="{FF2B5EF4-FFF2-40B4-BE49-F238E27FC236}">
+                <a16:creationId xmlns:a16="http://schemas.microsoft.com/office/drawing/2014/main" id="{B756CDB5-A1A3-2C03-06C3-F0B0655D77DA}"/>
+              </a:ext>
+            </a:extLst>
+          </p:cNvPr>
+          <p:cNvSpPr>
+            <a:spLocks noGrp="1"/>
+          </p:cNvSpPr>
+          <p:nvPr>
+            <p:ph idx="1"/>
+          </p:nvPr>
+        </p:nvSpPr>
+        <p:spPr/>
+        <p:txBody>
+          <a:bodyPr/>
+          <a:lstStyle/>
+          <a:p>
+            <a:r>
+              <a:rPr lang="en-US" dirty="0"/>
+              <a:t>cat – concatenate files and print to terminal</a:t>
+            </a:r>
+          </a:p>
+          <a:p>
+            <a:pPr lvl="1"/>
+            <a:r>
+              <a:rPr lang="en-US" dirty="0"/>
+              <a:t>Usage: cat &lt;filename1&gt; &lt;filename2&gt; …</a:t>
+            </a:r>
+          </a:p>
+          <a:p>
+            <a:r>
+              <a:rPr lang="en-US" dirty="0"/>
+              <a:t>less – view longer files </a:t>
+            </a:r>
+          </a:p>
+          <a:p>
+            <a:pPr lvl="1"/>
+            <a:r>
+              <a:rPr lang="en-US" dirty="0"/>
+              <a:t>Usage: less &lt;filename1&gt; &lt;filename2&gt; …</a:t>
+            </a:r>
+          </a:p>
+          <a:p>
+            <a:r>
+              <a:rPr lang="en-US" dirty="0"/>
+              <a:t>head – view the beginning of a file</a:t>
+            </a:r>
+          </a:p>
+          <a:p>
+            <a:pPr lvl="1"/>
+            <a:r>
+              <a:rPr lang="en-US" dirty="0"/>
+              <a:t>Usage: head &lt;filename1&gt; &lt;filename2&gt; …</a:t>
+            </a:r>
+          </a:p>
+          <a:p>
+            <a:r>
+              <a:rPr lang="en-US" dirty="0"/>
+              <a:t>tail – view the end of the file</a:t>
+            </a:r>
+          </a:p>
+          <a:p>
+            <a:pPr lvl="1"/>
+            <a:r>
+              <a:rPr lang="en-US" dirty="0"/>
+              <a:t>Usage: tail &lt;filename1&gt; &lt;filename2&gt; …</a:t>
+            </a:r>
+          </a:p>
+        </p:txBody>
+      </p:sp>
+    </p:spTree>
+    <p:extLst>
+      <p:ext uri="{BB962C8B-B14F-4D97-AF65-F5344CB8AC3E}">
+        <p14:creationId xmlns:p14="http://schemas.microsoft.com/office/powerpoint/2010/main" val="2819802490"/>
       </p:ext>
     </p:extLst>
   </p:cSld>
